--- a/Visual_Studio_Code_modules/GIT_and_VSCode/GIT.pptx
+++ b/Visual_Studio_Code_modules/GIT_and_VSCode/GIT.pptx
@@ -196,6 +196,35 @@
 </p:presentation>
 </file>
 
+<file path=ppt/changesInfos/changesInfo1.xml><?xml version="1.0" encoding="utf-8"?>
+<pc:chgInfo xmlns:a="http://schemas.openxmlformats.org/drawingml/2006/main" xmlns:r="http://schemas.openxmlformats.org/officeDocument/2006/relationships" xmlns:ac="http://schemas.microsoft.com/office/drawing/2013/main/command" xmlns:pc="http://schemas.microsoft.com/office/powerpoint/2013/main/command">
+  <pc:docChgLst>
+    <pc:chgData name="Jochen Mariën" userId="a4f8d9ed-3895-4365-b2d5-9432cb8a20d4" providerId="ADAL" clId="{724DB2EC-DD79-4561-B2EC-D5F9A4CAEBAC}"/>
+    <pc:docChg chg="custSel modSld">
+      <pc:chgData name="Jochen Mariën" userId="a4f8d9ed-3895-4365-b2d5-9432cb8a20d4" providerId="ADAL" clId="{724DB2EC-DD79-4561-B2EC-D5F9A4CAEBAC}" dt="2021-01-22T08:25:08.742" v="0" actId="478"/>
+      <pc:docMkLst>
+        <pc:docMk/>
+      </pc:docMkLst>
+      <pc:sldChg chg="delSp mod">
+        <pc:chgData name="Jochen Mariën" userId="a4f8d9ed-3895-4365-b2d5-9432cb8a20d4" providerId="ADAL" clId="{724DB2EC-DD79-4561-B2EC-D5F9A4CAEBAC}" dt="2021-01-22T08:25:08.742" v="0" actId="478"/>
+        <pc:sldMkLst>
+          <pc:docMk/>
+          <pc:sldMk cId="3514354887" sldId="464"/>
+        </pc:sldMkLst>
+        <pc:spChg chg="del">
+          <ac:chgData name="Jochen Mariën" userId="a4f8d9ed-3895-4365-b2d5-9432cb8a20d4" providerId="ADAL" clId="{724DB2EC-DD79-4561-B2EC-D5F9A4CAEBAC}" dt="2021-01-22T08:25:08.742" v="0" actId="478"/>
+          <ac:spMkLst>
+            <pc:docMk/>
+            <pc:sldMk cId="3514354887" sldId="464"/>
+            <ac:spMk id="4" creationId="{18B60B0E-A10C-4ACD-AAB1-C182A0451F24}"/>
+          </ac:spMkLst>
+        </pc:spChg>
+      </pc:sldChg>
+    </pc:docChg>
+  </pc:docChgLst>
+</pc:chgInfo>
+</file>
+
 <file path=ppt/handoutMasters/handoutMaster1.xml><?xml version="1.0" encoding="utf-8"?>
 <p:handoutMaster xmlns:a="http://schemas.openxmlformats.org/drawingml/2006/main" xmlns:r="http://schemas.openxmlformats.org/officeDocument/2006/relationships" xmlns:p="http://schemas.openxmlformats.org/presentationml/2006/main">
   <p:cSld>
@@ -278,7 +307,7 @@
           <a:p>
             <a:fld id="{4648F0D1-0503-424B-8069-83B0C43658A1}" type="datetimeFigureOut">
               <a:rPr lang="nl-BE" smtClean="0"/>
-              <a:t>12/09/2019</a:t>
+              <a:t>22/01/2021</a:t>
             </a:fld>
             <a:endParaRPr lang="nl-BE"/>
           </a:p>
@@ -344,7 +373,7 @@
           <a:p>
             <a:fld id="{B20D66D5-7075-4CE9-847F-A630737DF270}" type="slidenum">
               <a:rPr lang="nl-BE" smtClean="0"/>
-              <a:t>‹nr.›</a:t>
+              <a:t>‹#›</a:t>
             </a:fld>
             <a:endParaRPr lang="nl-BE"/>
           </a:p>
@@ -443,7 +472,7 @@
           <a:p>
             <a:fld id="{0AA27BB8-0871-4F81-B3D3-C0B42C575893}" type="datetimeFigureOut">
               <a:rPr lang="nl-BE" smtClean="0"/>
-              <a:t>12/09/2019</a:t>
+              <a:t>22/01/2021</a:t>
             </a:fld>
             <a:endParaRPr lang="nl-BE"/>
           </a:p>
@@ -602,7 +631,7 @@
           <a:p>
             <a:fld id="{58CE0657-9498-487F-880F-14CD6C675AAD}" type="slidenum">
               <a:rPr lang="nl-BE" smtClean="0"/>
-              <a:t>‹nr.›</a:t>
+              <a:t>‹#›</a:t>
             </a:fld>
             <a:endParaRPr lang="nl-BE"/>
           </a:p>
@@ -1337,7 +1366,7 @@
             <a:fld id="{A48BBB69-78CC-4007-AD8B-593DE32245CC}" type="slidenum">
               <a:rPr lang="nl-BE" smtClean="0"/>
               <a:pPr/>
-              <a:t>‹nr.›</a:t>
+              <a:t>‹#›</a:t>
             </a:fld>
             <a:endParaRPr lang="nl-BE" dirty="0"/>
           </a:p>
@@ -1631,7 +1660,7 @@
             <a:fld id="{A48BBB69-78CC-4007-AD8B-593DE32245CC}" type="slidenum">
               <a:rPr lang="nl-BE" smtClean="0"/>
               <a:pPr/>
-              <a:t>‹nr.›</a:t>
+              <a:t>‹#›</a:t>
             </a:fld>
             <a:endParaRPr lang="nl-BE" dirty="0"/>
           </a:p>
@@ -1972,7 +2001,7 @@
             <a:fld id="{A48BBB69-78CC-4007-AD8B-593DE32245CC}" type="slidenum">
               <a:rPr lang="nl-BE" smtClean="0"/>
               <a:pPr/>
-              <a:t>‹nr.›</a:t>
+              <a:t>‹#›</a:t>
             </a:fld>
             <a:endParaRPr lang="nl-BE" dirty="0"/>
           </a:p>
@@ -2247,7 +2276,7 @@
             <a:fld id="{A48BBB69-78CC-4007-AD8B-593DE32245CC}" type="slidenum">
               <a:rPr lang="nl-BE" smtClean="0"/>
               <a:pPr/>
-              <a:t>‹nr.›</a:t>
+              <a:t>‹#›</a:t>
             </a:fld>
             <a:endParaRPr lang="nl-BE" dirty="0"/>
           </a:p>
@@ -2529,7 +2558,7 @@
           <a:p>
             <a:fld id="{A48BBB69-78CC-4007-AD8B-593DE32245CC}" type="slidenum">
               <a:rPr lang="nl-BE" smtClean="0"/>
-              <a:t>‹nr.›</a:t>
+              <a:t>‹#›</a:t>
             </a:fld>
             <a:endParaRPr lang="nl-BE" dirty="0"/>
           </a:p>
@@ -2752,7 +2781,7 @@
               <a:pPr>
                 <a:defRPr/>
               </a:pPr>
-              <a:t>‹nr.›</a:t>
+              <a:t>‹#›</a:t>
             </a:fld>
             <a:endParaRPr lang="nl-NL"/>
           </a:p>
@@ -3026,7 +3055,7 @@
               <a:pPr>
                 <a:defRPr/>
               </a:pPr>
-              <a:t>‹nr.›</a:t>
+              <a:t>‹#›</a:t>
             </a:fld>
             <a:endParaRPr lang="nl-NL"/>
           </a:p>
@@ -3122,7 +3151,7 @@
               <a:pPr>
                 <a:defRPr/>
               </a:pPr>
-              <a:t>‹nr.›</a:t>
+              <a:t>‹#›</a:t>
             </a:fld>
             <a:endParaRPr lang="nl-NL"/>
           </a:p>
@@ -3241,7 +3270,7 @@
           <a:p>
             <a:fld id="{A48BBB69-78CC-4007-AD8B-593DE32245CC}" type="slidenum">
               <a:rPr lang="nl-BE" smtClean="0"/>
-              <a:t>‹nr.›</a:t>
+              <a:t>‹#›</a:t>
             </a:fld>
             <a:endParaRPr lang="nl-BE" dirty="0"/>
           </a:p>
@@ -5729,44 +5758,6 @@
             <a:r>
               <a:rPr lang="nl-BE" sz="2400" i="1" dirty="0"/>
               <a:t>)</a:t>
-            </a:r>
-          </a:p>
-        </p:txBody>
-      </p:sp>
-      <p:sp>
-        <p:nvSpPr>
-          <p:cNvPr id="4" name="TextBox 3">
-            <a:extLst>
-              <a:ext uri="{FF2B5EF4-FFF2-40B4-BE49-F238E27FC236}">
-                <a16:creationId xmlns:a16="http://schemas.microsoft.com/office/drawing/2014/main" id="{18B60B0E-A10C-4ACD-AAB1-C182A0451F24}"/>
-              </a:ext>
-            </a:extLst>
-          </p:cNvPr>
-          <p:cNvSpPr txBox="1"/>
-          <p:nvPr/>
-        </p:nvSpPr>
-        <p:spPr>
-          <a:xfrm>
-            <a:off x="6096000" y="5073151"/>
-            <a:ext cx="5577840" cy="769441"/>
-          </a:xfrm>
-          <a:prstGeom prst="rect">
-            <a:avLst/>
-          </a:prstGeom>
-          <a:noFill/>
-        </p:spPr>
-        <p:txBody>
-          <a:bodyPr wrap="square" rtlCol="0">
-            <a:spAutoFit/>
-          </a:bodyPr>
-          <a:lstStyle/>
-          <a:p>
-            <a:r>
-              <a:rPr lang="nl-BE" sz="4400" u="sng" dirty="0">
-                <a:latin typeface="Varela Round" panose="02000000000000000000" pitchFamily="50" charset="0"/>
-                <a:ea typeface="Verdana" panose="020B0604030504040204" pitchFamily="34" charset="0"/>
-              </a:rPr>
-              <a:t>Essential</a:t>
             </a:r>
           </a:p>
         </p:txBody>
